--- a/Document/Progress/Design Overview.pptx
+++ b/Document/Progress/Design Overview.pptx
@@ -202,7 +202,7 @@
           <a:p>
             <a:fld id="{EBDED14E-C542-40E1-8CC1-2636D9AC6AE0}" type="datetimeFigureOut">
               <a:rPr lang="en-US" smtClean="0"/>
-              <a:t>6/4/2021</a:t>
+              <a:t>10/25/2022</a:t>
             </a:fld>
             <a:endParaRPr lang="en-US"/>
           </a:p>
@@ -700,7 +700,7 @@
           <a:p>
             <a:fld id="{B4EA52A2-8F14-410D-A9B2-10F7AAAFD341}" type="datetimeFigureOut">
               <a:rPr lang="en-US" smtClean="0"/>
-              <a:t>6/4/2021</a:t>
+              <a:t>10/25/2022</a:t>
             </a:fld>
             <a:endParaRPr lang="en-US"/>
           </a:p>
@@ -898,7 +898,7 @@
           <a:p>
             <a:fld id="{B4EA52A2-8F14-410D-A9B2-10F7AAAFD341}" type="datetimeFigureOut">
               <a:rPr lang="en-US" smtClean="0"/>
-              <a:t>6/4/2021</a:t>
+              <a:t>10/25/2022</a:t>
             </a:fld>
             <a:endParaRPr lang="en-US"/>
           </a:p>
@@ -1106,7 +1106,7 @@
           <a:p>
             <a:fld id="{B4EA52A2-8F14-410D-A9B2-10F7AAAFD341}" type="datetimeFigureOut">
               <a:rPr lang="en-US" smtClean="0"/>
-              <a:t>6/4/2021</a:t>
+              <a:t>10/25/2022</a:t>
             </a:fld>
             <a:endParaRPr lang="en-US"/>
           </a:p>
@@ -1304,7 +1304,7 @@
           <a:p>
             <a:fld id="{B4EA52A2-8F14-410D-A9B2-10F7AAAFD341}" type="datetimeFigureOut">
               <a:rPr lang="en-US" smtClean="0"/>
-              <a:t>6/4/2021</a:t>
+              <a:t>10/25/2022</a:t>
             </a:fld>
             <a:endParaRPr lang="en-US"/>
           </a:p>
@@ -1579,7 +1579,7 @@
           <a:p>
             <a:fld id="{B4EA52A2-8F14-410D-A9B2-10F7AAAFD341}" type="datetimeFigureOut">
               <a:rPr lang="en-US" smtClean="0"/>
-              <a:t>6/4/2021</a:t>
+              <a:t>10/25/2022</a:t>
             </a:fld>
             <a:endParaRPr lang="en-US"/>
           </a:p>
@@ -1844,7 +1844,7 @@
           <a:p>
             <a:fld id="{B4EA52A2-8F14-410D-A9B2-10F7AAAFD341}" type="datetimeFigureOut">
               <a:rPr lang="en-US" smtClean="0"/>
-              <a:t>6/4/2021</a:t>
+              <a:t>10/25/2022</a:t>
             </a:fld>
             <a:endParaRPr lang="en-US"/>
           </a:p>
@@ -2256,7 +2256,7 @@
           <a:p>
             <a:fld id="{B4EA52A2-8F14-410D-A9B2-10F7AAAFD341}" type="datetimeFigureOut">
               <a:rPr lang="en-US" smtClean="0"/>
-              <a:t>6/4/2021</a:t>
+              <a:t>10/25/2022</a:t>
             </a:fld>
             <a:endParaRPr lang="en-US"/>
           </a:p>
@@ -2397,7 +2397,7 @@
           <a:p>
             <a:fld id="{B4EA52A2-8F14-410D-A9B2-10F7AAAFD341}" type="datetimeFigureOut">
               <a:rPr lang="en-US" smtClean="0"/>
-              <a:t>6/4/2021</a:t>
+              <a:t>10/25/2022</a:t>
             </a:fld>
             <a:endParaRPr lang="en-US"/>
           </a:p>
@@ -2510,7 +2510,7 @@
           <a:p>
             <a:fld id="{B4EA52A2-8F14-410D-A9B2-10F7AAAFD341}" type="datetimeFigureOut">
               <a:rPr lang="en-US" smtClean="0"/>
-              <a:t>6/4/2021</a:t>
+              <a:t>10/25/2022</a:t>
             </a:fld>
             <a:endParaRPr lang="en-US"/>
           </a:p>
@@ -2821,7 +2821,7 @@
           <a:p>
             <a:fld id="{B4EA52A2-8F14-410D-A9B2-10F7AAAFD341}" type="datetimeFigureOut">
               <a:rPr lang="en-US" smtClean="0"/>
-              <a:t>6/4/2021</a:t>
+              <a:t>10/25/2022</a:t>
             </a:fld>
             <a:endParaRPr lang="en-US"/>
           </a:p>
@@ -3109,7 +3109,7 @@
           <a:p>
             <a:fld id="{B4EA52A2-8F14-410D-A9B2-10F7AAAFD341}" type="datetimeFigureOut">
               <a:rPr lang="en-US" smtClean="0"/>
-              <a:t>6/4/2021</a:t>
+              <a:t>10/25/2022</a:t>
             </a:fld>
             <a:endParaRPr lang="en-US"/>
           </a:p>
@@ -3350,7 +3350,7 @@
           <a:p>
             <a:fld id="{B4EA52A2-8F14-410D-A9B2-10F7AAAFD341}" type="datetimeFigureOut">
               <a:rPr lang="en-US" smtClean="0"/>
-              <a:t>6/4/2021</a:t>
+              <a:t>10/25/2022</a:t>
             </a:fld>
             <a:endParaRPr lang="en-US"/>
           </a:p>
@@ -3775,7 +3775,7 @@
         </p:nvSpPr>
         <p:spPr>
           <a:xfrm>
-            <a:off x="3909907" y="1303481"/>
+            <a:off x="4624282" y="1303481"/>
             <a:ext cx="5181600" cy="3311562"/>
           </a:xfrm>
           <a:prstGeom prst="rect">
@@ -3786,6 +3786,7 @@
             <a:solidFill>
               <a:srgbClr val="FF0000"/>
             </a:solidFill>
+            <a:prstDash val="dash"/>
           </a:ln>
         </p:spPr>
         <p:style>
@@ -3840,7 +3841,7 @@
         </p:blipFill>
         <p:spPr>
           <a:xfrm>
-            <a:off x="2599151" y="3713481"/>
+            <a:off x="3313526" y="3713481"/>
             <a:ext cx="1193251" cy="1193251"/>
           </a:xfrm>
           <a:prstGeom prst="rect">
@@ -3892,17 +3893,15 @@
         </p:nvSpPr>
         <p:spPr>
           <a:xfrm>
-            <a:off x="3903557" y="913980"/>
-            <a:ext cx="2649642" cy="376182"/>
+            <a:off x="5178500" y="1374103"/>
+            <a:ext cx="4073163" cy="376182"/>
           </a:xfrm>
           <a:prstGeom prst="rect">
             <a:avLst/>
           </a:prstGeom>
           <a:noFill/>
           <a:ln w="38100">
-            <a:solidFill>
-              <a:srgbClr val="FF0000"/>
-            </a:solidFill>
+            <a:noFill/>
           </a:ln>
         </p:spPr>
         <p:style>
@@ -3933,7 +3932,7 @@
                 </a:solidFill>
                 <a:cs typeface="+mj-cs"/>
               </a:rPr>
-              <a:t>XDS Registry Blockchain</a:t>
+              <a:t>XDS Document Registry Actor</a:t>
             </a:r>
             <a:endParaRPr lang="th-TH" sz="2000" dirty="0">
               <a:solidFill>
@@ -3952,7 +3951,7 @@
         </p:nvCxnSpPr>
         <p:spPr>
           <a:xfrm flipV="1">
-            <a:off x="6929183" y="4442538"/>
+            <a:off x="7643558" y="4442538"/>
             <a:ext cx="1" cy="908671"/>
           </a:xfrm>
           <a:prstGeom prst="straightConnector1">
@@ -3988,7 +3987,7 @@
         </p:nvSpPr>
         <p:spPr>
           <a:xfrm>
-            <a:off x="9182928" y="1386332"/>
+            <a:off x="9897303" y="1386332"/>
             <a:ext cx="1121919" cy="1107011"/>
           </a:xfrm>
           <a:prstGeom prst="rect">
@@ -4052,7 +4051,7 @@
         </p:nvSpPr>
         <p:spPr>
           <a:xfrm>
-            <a:off x="6934954" y="4740588"/>
+            <a:off x="7649329" y="4740588"/>
             <a:ext cx="2927295" cy="589561"/>
           </a:xfrm>
           <a:prstGeom prst="rect">
@@ -4104,7 +4103,7 @@
         </p:nvSpPr>
         <p:spPr>
           <a:xfrm>
-            <a:off x="6410873" y="2210199"/>
+            <a:off x="7125248" y="2210199"/>
             <a:ext cx="1077557" cy="1390051"/>
           </a:xfrm>
           <a:prstGeom prst="rect">
@@ -4178,7 +4177,7 @@
         </p:nvCxnSpPr>
         <p:spPr>
           <a:xfrm>
-            <a:off x="1805296" y="3600251"/>
+            <a:off x="2519671" y="3600251"/>
             <a:ext cx="793855" cy="709856"/>
           </a:xfrm>
           <a:prstGeom prst="straightConnector1">
@@ -4229,7 +4228,7 @@
         </p:blipFill>
         <p:spPr>
           <a:xfrm>
-            <a:off x="4004282" y="2407000"/>
+            <a:off x="4718657" y="2407000"/>
             <a:ext cx="1193251" cy="1193251"/>
           </a:xfrm>
           <a:prstGeom prst="rect">
@@ -4262,7 +4261,7 @@
         </p:blipFill>
         <p:spPr>
           <a:xfrm>
-            <a:off x="1208670" y="2407000"/>
+            <a:off x="1923045" y="2407000"/>
             <a:ext cx="1193251" cy="1193251"/>
           </a:xfrm>
           <a:prstGeom prst="rect">
@@ -4295,7 +4294,7 @@
         </p:blipFill>
         <p:spPr>
           <a:xfrm>
-            <a:off x="2599152" y="1091942"/>
+            <a:off x="3313527" y="1091942"/>
             <a:ext cx="1193251" cy="1193251"/>
           </a:xfrm>
           <a:prstGeom prst="rect">
@@ -4317,7 +4316,7 @@
         </p:nvCxnSpPr>
         <p:spPr>
           <a:xfrm flipV="1">
-            <a:off x="1805296" y="1688568"/>
+            <a:off x="2519671" y="1688568"/>
             <a:ext cx="793856" cy="718432"/>
           </a:xfrm>
           <a:prstGeom prst="straightConnector1">
@@ -4357,7 +4356,7 @@
         </p:nvCxnSpPr>
         <p:spPr>
           <a:xfrm>
-            <a:off x="3792403" y="1688568"/>
+            <a:off x="4506778" y="1688568"/>
             <a:ext cx="808505" cy="718432"/>
           </a:xfrm>
           <a:prstGeom prst="straightConnector1">
@@ -4397,7 +4396,7 @@
         </p:nvCxnSpPr>
         <p:spPr>
           <a:xfrm flipH="1">
-            <a:off x="3792402" y="3600251"/>
+            <a:off x="4506777" y="3600251"/>
             <a:ext cx="808506" cy="709856"/>
           </a:xfrm>
           <a:prstGeom prst="straightConnector1">
@@ -4437,7 +4436,7 @@
         </p:nvCxnSpPr>
         <p:spPr>
           <a:xfrm>
-            <a:off x="2401921" y="3003626"/>
+            <a:off x="3116296" y="3003626"/>
             <a:ext cx="1602361" cy="0"/>
           </a:xfrm>
           <a:prstGeom prst="straightConnector1">
@@ -4477,7 +4476,7 @@
         </p:nvCxnSpPr>
         <p:spPr>
           <a:xfrm flipH="1">
-            <a:off x="3195777" y="2285193"/>
+            <a:off x="3910152" y="2285193"/>
             <a:ext cx="1" cy="1428288"/>
           </a:xfrm>
           <a:prstGeom prst="straightConnector1">
@@ -4528,7 +4527,7 @@
         </p:blipFill>
         <p:spPr>
           <a:xfrm>
-            <a:off x="1496567" y="2549540"/>
+            <a:off x="2210942" y="2549540"/>
             <a:ext cx="564401" cy="899349"/>
           </a:xfrm>
           <a:prstGeom prst="rect">
@@ -4558,7 +4557,7 @@
         </p:blipFill>
         <p:spPr>
           <a:xfrm>
-            <a:off x="2913576" y="1202848"/>
+            <a:off x="3627951" y="1202848"/>
             <a:ext cx="564401" cy="899349"/>
           </a:xfrm>
           <a:prstGeom prst="rect">
@@ -4588,7 +4587,7 @@
         </p:blipFill>
         <p:spPr>
           <a:xfrm>
-            <a:off x="4318706" y="2564049"/>
+            <a:off x="5033081" y="2564049"/>
             <a:ext cx="564401" cy="899349"/>
           </a:xfrm>
           <a:prstGeom prst="rect">
@@ -4618,7 +4617,7 @@
         </p:blipFill>
         <p:spPr>
           <a:xfrm>
-            <a:off x="2913576" y="3876421"/>
+            <a:off x="3627951" y="3876421"/>
             <a:ext cx="564401" cy="899349"/>
           </a:xfrm>
           <a:prstGeom prst="rect">
@@ -4648,7 +4647,7 @@
         </p:blipFill>
         <p:spPr>
           <a:xfrm>
-            <a:off x="5202742" y="3147040"/>
+            <a:off x="5917117" y="3147040"/>
             <a:ext cx="511965" cy="511965"/>
           </a:xfrm>
           <a:prstGeom prst="rect">
@@ -4664,7 +4663,7 @@
         </p:nvCxnSpPr>
         <p:spPr>
           <a:xfrm>
-            <a:off x="5177248" y="2632724"/>
+            <a:off x="5891623" y="2632724"/>
             <a:ext cx="552982" cy="1"/>
           </a:xfrm>
           <a:prstGeom prst="straightConnector1">
@@ -4701,7 +4700,7 @@
         </p:nvCxnSpPr>
         <p:spPr>
           <a:xfrm>
-            <a:off x="5177248" y="3003266"/>
+            <a:off x="5891623" y="3003266"/>
             <a:ext cx="552982" cy="1"/>
           </a:xfrm>
           <a:prstGeom prst="straightConnector1">
@@ -4738,7 +4737,7 @@
         </p:nvSpPr>
         <p:spPr>
           <a:xfrm>
-            <a:off x="5570131" y="3173971"/>
+            <a:off x="6284506" y="3173971"/>
             <a:ext cx="936859" cy="344335"/>
           </a:xfrm>
           <a:prstGeom prst="rect">
@@ -4790,7 +4789,7 @@
         </p:nvSpPr>
         <p:spPr>
           <a:xfrm>
-            <a:off x="5575679" y="2475796"/>
+            <a:off x="6290054" y="2475796"/>
             <a:ext cx="936859" cy="344335"/>
           </a:xfrm>
           <a:prstGeom prst="rect">
@@ -4842,7 +4841,7 @@
         </p:nvSpPr>
         <p:spPr>
           <a:xfrm>
-            <a:off x="5575678" y="2831098"/>
+            <a:off x="6290053" y="2831098"/>
             <a:ext cx="936859" cy="344335"/>
           </a:xfrm>
           <a:prstGeom prst="rect">
@@ -4894,7 +4893,7 @@
         </p:nvSpPr>
         <p:spPr>
           <a:xfrm>
-            <a:off x="3952574" y="3713481"/>
+            <a:off x="4666949" y="3713481"/>
             <a:ext cx="2054323" cy="609298"/>
           </a:xfrm>
           <a:prstGeom prst="rect">
@@ -4963,7 +4962,7 @@
         </p:nvSpPr>
         <p:spPr>
           <a:xfrm>
-            <a:off x="7721035" y="2211340"/>
+            <a:off x="8435410" y="2211340"/>
             <a:ext cx="1355135" cy="493327"/>
           </a:xfrm>
           <a:prstGeom prst="rect">
@@ -5017,7 +5016,7 @@
         </p:nvSpPr>
         <p:spPr>
           <a:xfrm>
-            <a:off x="6207529" y="3888252"/>
+            <a:off x="6921904" y="3888252"/>
             <a:ext cx="1444221" cy="564334"/>
           </a:xfrm>
           <a:prstGeom prst="rect">
@@ -5088,7 +5087,7 @@
         </p:nvSpPr>
         <p:spPr>
           <a:xfrm>
-            <a:off x="7720234" y="2852812"/>
+            <a:off x="8434609" y="2852812"/>
             <a:ext cx="1334865" cy="493327"/>
           </a:xfrm>
           <a:prstGeom prst="rect">
@@ -5142,7 +5141,7 @@
         </p:nvCxnSpPr>
         <p:spPr>
           <a:xfrm flipH="1" flipV="1">
-            <a:off x="9091507" y="2458003"/>
+            <a:off x="9805882" y="2458003"/>
             <a:ext cx="1252011" cy="3661"/>
           </a:xfrm>
           <a:prstGeom prst="straightConnector1">
@@ -5178,7 +5177,7 @@
         </p:nvCxnSpPr>
         <p:spPr>
           <a:xfrm>
-            <a:off x="6921554" y="3610621"/>
+            <a:off x="7635929" y="3610621"/>
             <a:ext cx="0" cy="277631"/>
           </a:xfrm>
           <a:prstGeom prst="straightConnector1">
@@ -5215,7 +5214,7 @@
         </p:nvCxnSpPr>
         <p:spPr>
           <a:xfrm>
-            <a:off x="7478804" y="2453076"/>
+            <a:off x="8193179" y="2453076"/>
             <a:ext cx="243793" cy="10934"/>
           </a:xfrm>
           <a:prstGeom prst="straightConnector1">
@@ -5252,7 +5251,7 @@
         </p:nvCxnSpPr>
         <p:spPr>
           <a:xfrm>
-            <a:off x="7491753" y="3084104"/>
+            <a:off x="8206128" y="3084104"/>
             <a:ext cx="243793" cy="10934"/>
           </a:xfrm>
           <a:prstGeom prst="straightConnector1">
@@ -5289,7 +5288,7 @@
         </p:nvCxnSpPr>
         <p:spPr>
           <a:xfrm flipH="1" flipV="1">
-            <a:off x="9061467" y="3080443"/>
+            <a:off x="9775842" y="3080443"/>
             <a:ext cx="1252011" cy="3661"/>
           </a:xfrm>
           <a:prstGeom prst="straightConnector1">
@@ -5326,7 +5325,7 @@
         </p:nvSpPr>
         <p:spPr>
           <a:xfrm>
-            <a:off x="9006128" y="3157947"/>
+            <a:off x="9720503" y="3157947"/>
             <a:ext cx="1532043" cy="822643"/>
           </a:xfrm>
           <a:prstGeom prst="rect">
@@ -5384,7 +5383,7 @@
         </p:nvSpPr>
         <p:spPr>
           <a:xfrm>
-            <a:off x="3909907" y="1294614"/>
+            <a:off x="4606687" y="903852"/>
             <a:ext cx="1267341" cy="376182"/>
           </a:xfrm>
           <a:prstGeom prst="rect">
@@ -5450,7 +5449,7 @@
         </p:nvSpPr>
         <p:spPr>
           <a:xfrm>
-            <a:off x="1848526" y="4945221"/>
+            <a:off x="2562901" y="4945221"/>
             <a:ext cx="2709149" cy="609298"/>
           </a:xfrm>
           <a:prstGeom prst="rect">
@@ -5508,6 +5507,204 @@
               </a:rPr>
               <a:t>Blockchain Network</a:t>
             </a:r>
+          </a:p>
+        </p:txBody>
+      </p:sp>
+      <p:sp>
+        <p:nvSpPr>
+          <p:cNvPr id="2" name="Rectangle 1">
+            <a:extLst>
+              <a:ext uri="{FF2B5EF4-FFF2-40B4-BE49-F238E27FC236}">
+                <a16:creationId xmlns:a16="http://schemas.microsoft.com/office/drawing/2014/main" id="{9F72FEDB-672B-EA29-D10A-3004201CBBF3}"/>
+              </a:ext>
+            </a:extLst>
+          </p:cNvPr>
+          <p:cNvSpPr/>
+          <p:nvPr/>
+        </p:nvSpPr>
+        <p:spPr>
+          <a:xfrm>
+            <a:off x="2047499" y="1200659"/>
+            <a:ext cx="1267341" cy="412228"/>
+          </a:xfrm>
+          <a:prstGeom prst="rect">
+            <a:avLst/>
+          </a:prstGeom>
+          <a:noFill/>
+          <a:ln w="38100">
+            <a:solidFill>
+              <a:srgbClr val="FF0000"/>
+            </a:solidFill>
+          </a:ln>
+        </p:spPr>
+        <p:style>
+          <a:lnRef idx="2">
+            <a:schemeClr val="accent1">
+              <a:shade val="50000"/>
+            </a:schemeClr>
+          </a:lnRef>
+          <a:fillRef idx="1">
+            <a:schemeClr val="accent1"/>
+          </a:fillRef>
+          <a:effectRef idx="0">
+            <a:schemeClr val="accent1"/>
+          </a:effectRef>
+          <a:fontRef idx="minor">
+            <a:schemeClr val="lt1"/>
+          </a:fontRef>
+        </p:style>
+        <p:txBody>
+          <a:bodyPr rtlCol="0" anchor="ctr"/>
+          <a:lstStyle/>
+          <a:p>
+            <a:pPr algn="ctr"/>
+            <a:r>
+              <a:rPr lang="en-US" sz="2000" dirty="0">
+                <a:solidFill>
+                  <a:srgbClr val="FF0000"/>
+                </a:solidFill>
+                <a:cs typeface="+mj-cs"/>
+              </a:rPr>
+              <a:t>Hospital B</a:t>
+            </a:r>
+            <a:endParaRPr lang="th-TH" sz="2000" dirty="0">
+              <a:solidFill>
+                <a:srgbClr val="FF0000"/>
+              </a:solidFill>
+              <a:cs typeface="+mj-cs"/>
+            </a:endParaRPr>
+          </a:p>
+        </p:txBody>
+      </p:sp>
+      <p:sp>
+        <p:nvSpPr>
+          <p:cNvPr id="3" name="Rectangle 2">
+            <a:extLst>
+              <a:ext uri="{FF2B5EF4-FFF2-40B4-BE49-F238E27FC236}">
+                <a16:creationId xmlns:a16="http://schemas.microsoft.com/office/drawing/2014/main" id="{1B0097C1-851D-0E55-442C-74BCC4E63847}"/>
+              </a:ext>
+            </a:extLst>
+          </p:cNvPr>
+          <p:cNvSpPr/>
+          <p:nvPr/>
+        </p:nvSpPr>
+        <p:spPr>
+          <a:xfrm>
+            <a:off x="655704" y="2852812"/>
+            <a:ext cx="1267341" cy="376182"/>
+          </a:xfrm>
+          <a:prstGeom prst="rect">
+            <a:avLst/>
+          </a:prstGeom>
+          <a:noFill/>
+          <a:ln w="38100">
+            <a:solidFill>
+              <a:srgbClr val="FF0000"/>
+            </a:solidFill>
+          </a:ln>
+        </p:spPr>
+        <p:style>
+          <a:lnRef idx="2">
+            <a:schemeClr val="accent1">
+              <a:shade val="50000"/>
+            </a:schemeClr>
+          </a:lnRef>
+          <a:fillRef idx="1">
+            <a:schemeClr val="accent1"/>
+          </a:fillRef>
+          <a:effectRef idx="0">
+            <a:schemeClr val="accent1"/>
+          </a:effectRef>
+          <a:fontRef idx="minor">
+            <a:schemeClr val="lt1"/>
+          </a:fontRef>
+        </p:style>
+        <p:txBody>
+          <a:bodyPr rtlCol="0" anchor="ctr"/>
+          <a:lstStyle/>
+          <a:p>
+            <a:pPr algn="ctr"/>
+            <a:r>
+              <a:rPr lang="en-US" sz="2000" dirty="0">
+                <a:solidFill>
+                  <a:srgbClr val="FF0000"/>
+                </a:solidFill>
+                <a:cs typeface="+mj-cs"/>
+              </a:rPr>
+              <a:t>Hospital C</a:t>
+            </a:r>
+            <a:endParaRPr lang="th-TH" sz="2000" dirty="0">
+              <a:solidFill>
+                <a:srgbClr val="FF0000"/>
+              </a:solidFill>
+              <a:cs typeface="+mj-cs"/>
+            </a:endParaRPr>
+          </a:p>
+        </p:txBody>
+      </p:sp>
+      <p:sp>
+        <p:nvSpPr>
+          <p:cNvPr id="6" name="Rectangle 5">
+            <a:extLst>
+              <a:ext uri="{FF2B5EF4-FFF2-40B4-BE49-F238E27FC236}">
+                <a16:creationId xmlns:a16="http://schemas.microsoft.com/office/drawing/2014/main" id="{B8F837F0-4E2C-496D-C1AE-4D90D76B4C47}"/>
+              </a:ext>
+            </a:extLst>
+          </p:cNvPr>
+          <p:cNvSpPr/>
+          <p:nvPr/>
+        </p:nvSpPr>
+        <p:spPr>
+          <a:xfrm>
+            <a:off x="2048043" y="4399588"/>
+            <a:ext cx="1267341" cy="376182"/>
+          </a:xfrm>
+          <a:prstGeom prst="rect">
+            <a:avLst/>
+          </a:prstGeom>
+          <a:noFill/>
+          <a:ln w="38100">
+            <a:solidFill>
+              <a:srgbClr val="FF0000"/>
+            </a:solidFill>
+          </a:ln>
+        </p:spPr>
+        <p:style>
+          <a:lnRef idx="2">
+            <a:schemeClr val="accent1">
+              <a:shade val="50000"/>
+            </a:schemeClr>
+          </a:lnRef>
+          <a:fillRef idx="1">
+            <a:schemeClr val="accent1"/>
+          </a:fillRef>
+          <a:effectRef idx="0">
+            <a:schemeClr val="accent1"/>
+          </a:effectRef>
+          <a:fontRef idx="minor">
+            <a:schemeClr val="lt1"/>
+          </a:fontRef>
+        </p:style>
+        <p:txBody>
+          <a:bodyPr rtlCol="0" anchor="ctr"/>
+          <a:lstStyle/>
+          <a:p>
+            <a:pPr algn="ctr"/>
+            <a:r>
+              <a:rPr lang="en-US" sz="2000" dirty="0">
+                <a:solidFill>
+                  <a:srgbClr val="FF0000"/>
+                </a:solidFill>
+                <a:cs typeface="+mj-cs"/>
+              </a:rPr>
+              <a:t>Hospital D</a:t>
+            </a:r>
+            <a:endParaRPr lang="th-TH" sz="2000" dirty="0">
+              <a:solidFill>
+                <a:srgbClr val="FF0000"/>
+              </a:solidFill>
+              <a:cs typeface="+mj-cs"/>
+            </a:endParaRPr>
           </a:p>
         </p:txBody>
       </p:sp>
